--- a/Rootbot.pptx
+++ b/Rootbot.pptx
@@ -10,6 +10,7 @@
     <p:sldId id="259" r:id="rId4"/>
     <p:sldId id="258" r:id="rId5"/>
     <p:sldId id="260" r:id="rId6"/>
+    <p:sldId id="261" r:id="rId7"/>
   </p:sldIdLst>
   <p:sldSz cx="12192000" cy="6858000"/>
   <p:notesSz cx="6858000" cy="9144000"/>
@@ -108,6 +109,11 @@
       </a:defRPr>
     </a:lvl9pPr>
   </p:defaultTextStyle>
+  <p:extLst>
+    <p:ext uri="{EFAFB233-063F-42B5-8137-9DF3F51BA10A}">
+      <p15:sldGuideLst xmlns:p15="http://schemas.microsoft.com/office/powerpoint/2012/main"/>
+    </p:ext>
+  </p:extLst>
 </p:presentation>
 </file>
 
@@ -260,7 +266,7 @@
           <a:p>
             <a:fld id="{AE005246-9405-4D35-9B5A-F33F2BBCFE2F}" type="datetimeFigureOut">
               <a:rPr lang="en-AU" smtClean="0"/>
-              <a:t>20/05/2025</a:t>
+              <a:t>4/06/2025</a:t>
             </a:fld>
             <a:endParaRPr lang="en-AU"/>
           </a:p>
@@ -460,7 +466,7 @@
           <a:p>
             <a:fld id="{AE005246-9405-4D35-9B5A-F33F2BBCFE2F}" type="datetimeFigureOut">
               <a:rPr lang="en-AU" smtClean="0"/>
-              <a:t>20/05/2025</a:t>
+              <a:t>4/06/2025</a:t>
             </a:fld>
             <a:endParaRPr lang="en-AU"/>
           </a:p>
@@ -670,7 +676,7 @@
           <a:p>
             <a:fld id="{AE005246-9405-4D35-9B5A-F33F2BBCFE2F}" type="datetimeFigureOut">
               <a:rPr lang="en-AU" smtClean="0"/>
-              <a:t>20/05/2025</a:t>
+              <a:t>4/06/2025</a:t>
             </a:fld>
             <a:endParaRPr lang="en-AU"/>
           </a:p>
@@ -870,7 +876,7 @@
           <a:p>
             <a:fld id="{AE005246-9405-4D35-9B5A-F33F2BBCFE2F}" type="datetimeFigureOut">
               <a:rPr lang="en-AU" smtClean="0"/>
-              <a:t>20/05/2025</a:t>
+              <a:t>4/06/2025</a:t>
             </a:fld>
             <a:endParaRPr lang="en-AU"/>
           </a:p>
@@ -1146,7 +1152,7 @@
           <a:p>
             <a:fld id="{AE005246-9405-4D35-9B5A-F33F2BBCFE2F}" type="datetimeFigureOut">
               <a:rPr lang="en-AU" smtClean="0"/>
-              <a:t>20/05/2025</a:t>
+              <a:t>4/06/2025</a:t>
             </a:fld>
             <a:endParaRPr lang="en-AU"/>
           </a:p>
@@ -1414,7 +1420,7 @@
           <a:p>
             <a:fld id="{AE005246-9405-4D35-9B5A-F33F2BBCFE2F}" type="datetimeFigureOut">
               <a:rPr lang="en-AU" smtClean="0"/>
-              <a:t>20/05/2025</a:t>
+              <a:t>4/06/2025</a:t>
             </a:fld>
             <a:endParaRPr lang="en-AU"/>
           </a:p>
@@ -1829,7 +1835,7 @@
           <a:p>
             <a:fld id="{AE005246-9405-4D35-9B5A-F33F2BBCFE2F}" type="datetimeFigureOut">
               <a:rPr lang="en-AU" smtClean="0"/>
-              <a:t>20/05/2025</a:t>
+              <a:t>4/06/2025</a:t>
             </a:fld>
             <a:endParaRPr lang="en-AU"/>
           </a:p>
@@ -1971,7 +1977,7 @@
           <a:p>
             <a:fld id="{AE005246-9405-4D35-9B5A-F33F2BBCFE2F}" type="datetimeFigureOut">
               <a:rPr lang="en-AU" smtClean="0"/>
-              <a:t>20/05/2025</a:t>
+              <a:t>4/06/2025</a:t>
             </a:fld>
             <a:endParaRPr lang="en-AU"/>
           </a:p>
@@ -2084,7 +2090,7 @@
           <a:p>
             <a:fld id="{AE005246-9405-4D35-9B5A-F33F2BBCFE2F}" type="datetimeFigureOut">
               <a:rPr lang="en-AU" smtClean="0"/>
-              <a:t>20/05/2025</a:t>
+              <a:t>4/06/2025</a:t>
             </a:fld>
             <a:endParaRPr lang="en-AU"/>
           </a:p>
@@ -2397,7 +2403,7 @@
           <a:p>
             <a:fld id="{AE005246-9405-4D35-9B5A-F33F2BBCFE2F}" type="datetimeFigureOut">
               <a:rPr lang="en-AU" smtClean="0"/>
-              <a:t>20/05/2025</a:t>
+              <a:t>4/06/2025</a:t>
             </a:fld>
             <a:endParaRPr lang="en-AU"/>
           </a:p>
@@ -2686,7 +2692,7 @@
           <a:p>
             <a:fld id="{AE005246-9405-4D35-9B5A-F33F2BBCFE2F}" type="datetimeFigureOut">
               <a:rPr lang="en-AU" smtClean="0"/>
-              <a:t>20/05/2025</a:t>
+              <a:t>4/06/2025</a:t>
             </a:fld>
             <a:endParaRPr lang="en-AU"/>
           </a:p>
@@ -2929,7 +2935,7 @@
           <a:p>
             <a:fld id="{AE005246-9405-4D35-9B5A-F33F2BBCFE2F}" type="datetimeFigureOut">
               <a:rPr lang="en-AU" smtClean="0"/>
-              <a:t>20/05/2025</a:t>
+              <a:t>4/06/2025</a:t>
             </a:fld>
             <a:endParaRPr lang="en-AU"/>
           </a:p>
@@ -3364,12 +3370,14 @@
         </p:nvSpPr>
         <p:spPr>
           <a:xfrm>
-            <a:off x="1014845" y="472890"/>
-            <a:ext cx="9144000" cy="1655762"/>
-          </a:xfrm>
-        </p:spPr>
-        <p:txBody>
-          <a:bodyPr/>
+            <a:off x="0" y="0"/>
+            <a:ext cx="8003969" cy="6697683"/>
+          </a:xfrm>
+        </p:spPr>
+        <p:txBody>
+          <a:bodyPr>
+            <a:normAutofit/>
+          </a:bodyPr>
           <a:lstStyle/>
           <a:p>
             <a:r>
@@ -3382,8 +3390,470 @@
             </a:r>
             <a:endParaRPr lang="en-AU" dirty="0"/>
           </a:p>
-        </p:txBody>
-      </p:sp>
+          <a:p>
+            <a:pPr algn="l"/>
+            <a:endParaRPr lang="en-AU" dirty="0"/>
+          </a:p>
+          <a:p>
+            <a:pPr algn="l"/>
+            <a:endParaRPr lang="en-AU" dirty="0"/>
+          </a:p>
+          <a:p>
+            <a:pPr algn="l"/>
+            <a:r>
+              <a:rPr lang="en-AU" dirty="0"/>
+              <a:t>TL;DR;</a:t>
+            </a:r>
+          </a:p>
+          <a:p>
+            <a:pPr marL="457200" indent="-457200" algn="l">
+              <a:buAutoNum type="arabicPeriod"/>
+            </a:pPr>
+            <a:r>
+              <a:rPr lang="en-AU" dirty="0"/>
+              <a:t>Connect to </a:t>
+            </a:r>
+            <a:r>
+              <a:rPr lang="en-AU" dirty="0" err="1"/>
+              <a:t>Wifi</a:t>
+            </a:r>
+            <a:r>
+              <a:rPr lang="en-AU" dirty="0"/>
+              <a:t> network: RUT955_5D40, </a:t>
+            </a:r>
+            <a:br>
+              <a:rPr lang="en-AU" dirty="0"/>
+            </a:br>
+            <a:r>
+              <a:rPr lang="en-AU" dirty="0"/>
+              <a:t>password = Gv31Uid2</a:t>
+            </a:r>
+            <a:br>
+              <a:rPr lang="en-AU" dirty="0"/>
+            </a:br>
+            <a:endParaRPr lang="en-AU" dirty="0"/>
+          </a:p>
+          <a:p>
+            <a:pPr marL="457200" indent="-457200" algn="l">
+              <a:buFont typeface="Arial" panose="020B0604020202020204" pitchFamily="34" charset="0"/>
+              <a:buAutoNum type="arabicPeriod"/>
+            </a:pPr>
+            <a:r>
+              <a:rPr lang="en-AU" dirty="0"/>
+              <a:t>Point browser to </a:t>
+            </a:r>
+            <a:r>
+              <a:rPr lang="en-AU" dirty="0">
+                <a:hlinkClick r:id="rId2"/>
+              </a:rPr>
+              <a:t>http://rootbot:8080/</a:t>
+            </a:r>
+            <a:br>
+              <a:rPr lang="en-AU" dirty="0"/>
+            </a:br>
+            <a:endParaRPr lang="en-AU" dirty="0">
+              <a:hlinkClick r:id="rId3"/>
+            </a:endParaRPr>
+          </a:p>
+          <a:p>
+            <a:pPr marL="457200" indent="-457200" algn="l">
+              <a:buAutoNum type="arabicPeriod"/>
+            </a:pPr>
+            <a:r>
+              <a:rPr lang="en-AU" dirty="0"/>
+              <a:t>Remember to turn the EM logger on </a:t>
+            </a:r>
+            <a:br>
+              <a:rPr lang="en-AU" dirty="0"/>
+            </a:br>
+            <a:r>
+              <a:rPr lang="en-AU" dirty="0"/>
+              <a:t>(either in the mission plan, or manually)</a:t>
+            </a:r>
+            <a:br>
+              <a:rPr lang="en-AU" dirty="0"/>
+            </a:br>
+            <a:br>
+              <a:rPr lang="en-AU" dirty="0"/>
+            </a:br>
+            <a:r>
+              <a:rPr lang="en-AU" dirty="0"/>
+              <a:t>...</a:t>
+            </a:r>
+            <a:br>
+              <a:rPr lang="en-AU" dirty="0"/>
+            </a:br>
+            <a:endParaRPr lang="en-AU" dirty="0"/>
+          </a:p>
+          <a:p>
+            <a:pPr marL="457200" indent="-457200" algn="l">
+              <a:buAutoNum type="arabicPeriod"/>
+            </a:pPr>
+            <a:r>
+              <a:rPr lang="en-AU" dirty="0"/>
+              <a:t>Download data before powering down</a:t>
+            </a:r>
+          </a:p>
+          <a:p>
+            <a:endParaRPr lang="en-AU" dirty="0"/>
+          </a:p>
+        </p:txBody>
+      </p:sp>
+      <p:sp>
+        <p:nvSpPr>
+          <p:cNvPr id="2" name="Content Placeholder 2">
+            <a:extLst>
+              <a:ext uri="{FF2B5EF4-FFF2-40B4-BE49-F238E27FC236}">
+                <a16:creationId xmlns:a16="http://schemas.microsoft.com/office/drawing/2014/main" id="{C5708C2B-F6B0-F8F0-0BA4-4579CD3FCA49}"/>
+              </a:ext>
+            </a:extLst>
+          </p:cNvPr>
+          <p:cNvSpPr txBox="1">
+            <a:spLocks/>
+          </p:cNvSpPr>
+          <p:nvPr/>
+        </p:nvSpPr>
+        <p:spPr>
+          <a:xfrm>
+            <a:off x="329045" y="1300771"/>
+            <a:ext cx="10515600" cy="4351338"/>
+          </a:xfrm>
+          <a:prstGeom prst="rect">
+            <a:avLst/>
+          </a:prstGeom>
+        </p:spPr>
+        <p:txBody>
+          <a:bodyPr vert="horz" lIns="91440" tIns="45720" rIns="91440" bIns="45720" rtlCol="0">
+            <a:normAutofit/>
+          </a:bodyPr>
+          <a:lstStyle>
+            <a:lvl1pPr marL="0" indent="0" algn="ctr" defTabSz="914400" rtl="0" eaLnBrk="1" latinLnBrk="0" hangingPunct="1">
+              <a:lnSpc>
+                <a:spcPct val="90000"/>
+              </a:lnSpc>
+              <a:spcBef>
+                <a:spcPts val="1000"/>
+              </a:spcBef>
+              <a:buFont typeface="Arial" panose="020B0604020202020204" pitchFamily="34" charset="0"/>
+              <a:buNone/>
+              <a:defRPr sz="2400" kern="1200">
+                <a:solidFill>
+                  <a:schemeClr val="tx1"/>
+                </a:solidFill>
+                <a:latin typeface="+mn-lt"/>
+                <a:ea typeface="+mn-ea"/>
+                <a:cs typeface="+mn-cs"/>
+              </a:defRPr>
+            </a:lvl1pPr>
+            <a:lvl2pPr marL="457200" indent="0" algn="ctr" defTabSz="914400" rtl="0" eaLnBrk="1" latinLnBrk="0" hangingPunct="1">
+              <a:lnSpc>
+                <a:spcPct val="90000"/>
+              </a:lnSpc>
+              <a:spcBef>
+                <a:spcPts val="500"/>
+              </a:spcBef>
+              <a:buFont typeface="Arial" panose="020B0604020202020204" pitchFamily="34" charset="0"/>
+              <a:buNone/>
+              <a:defRPr sz="2000" kern="1200">
+                <a:solidFill>
+                  <a:schemeClr val="tx1"/>
+                </a:solidFill>
+                <a:latin typeface="+mn-lt"/>
+                <a:ea typeface="+mn-ea"/>
+                <a:cs typeface="+mn-cs"/>
+              </a:defRPr>
+            </a:lvl2pPr>
+            <a:lvl3pPr marL="914400" indent="0" algn="ctr" defTabSz="914400" rtl="0" eaLnBrk="1" latinLnBrk="0" hangingPunct="1">
+              <a:lnSpc>
+                <a:spcPct val="90000"/>
+              </a:lnSpc>
+              <a:spcBef>
+                <a:spcPts val="500"/>
+              </a:spcBef>
+              <a:buFont typeface="Arial" panose="020B0604020202020204" pitchFamily="34" charset="0"/>
+              <a:buNone/>
+              <a:defRPr sz="1800" kern="1200">
+                <a:solidFill>
+                  <a:schemeClr val="tx1"/>
+                </a:solidFill>
+                <a:latin typeface="+mn-lt"/>
+                <a:ea typeface="+mn-ea"/>
+                <a:cs typeface="+mn-cs"/>
+              </a:defRPr>
+            </a:lvl3pPr>
+            <a:lvl4pPr marL="1371600" indent="0" algn="ctr" defTabSz="914400" rtl="0" eaLnBrk="1" latinLnBrk="0" hangingPunct="1">
+              <a:lnSpc>
+                <a:spcPct val="90000"/>
+              </a:lnSpc>
+              <a:spcBef>
+                <a:spcPts val="500"/>
+              </a:spcBef>
+              <a:buFont typeface="Arial" panose="020B0604020202020204" pitchFamily="34" charset="0"/>
+              <a:buNone/>
+              <a:defRPr sz="1600" kern="1200">
+                <a:solidFill>
+                  <a:schemeClr val="tx1"/>
+                </a:solidFill>
+                <a:latin typeface="+mn-lt"/>
+                <a:ea typeface="+mn-ea"/>
+                <a:cs typeface="+mn-cs"/>
+              </a:defRPr>
+            </a:lvl4pPr>
+            <a:lvl5pPr marL="1828800" indent="0" algn="ctr" defTabSz="914400" rtl="0" eaLnBrk="1" latinLnBrk="0" hangingPunct="1">
+              <a:lnSpc>
+                <a:spcPct val="90000"/>
+              </a:lnSpc>
+              <a:spcBef>
+                <a:spcPts val="500"/>
+              </a:spcBef>
+              <a:buFont typeface="Arial" panose="020B0604020202020204" pitchFamily="34" charset="0"/>
+              <a:buNone/>
+              <a:defRPr sz="1600" kern="1200">
+                <a:solidFill>
+                  <a:schemeClr val="tx1"/>
+                </a:solidFill>
+                <a:latin typeface="+mn-lt"/>
+                <a:ea typeface="+mn-ea"/>
+                <a:cs typeface="+mn-cs"/>
+              </a:defRPr>
+            </a:lvl5pPr>
+            <a:lvl6pPr marL="2286000" indent="0" algn="ctr" defTabSz="914400" rtl="0" eaLnBrk="1" latinLnBrk="0" hangingPunct="1">
+              <a:lnSpc>
+                <a:spcPct val="90000"/>
+              </a:lnSpc>
+              <a:spcBef>
+                <a:spcPts val="500"/>
+              </a:spcBef>
+              <a:buFont typeface="Arial" panose="020B0604020202020204" pitchFamily="34" charset="0"/>
+              <a:buNone/>
+              <a:defRPr sz="1600" kern="1200">
+                <a:solidFill>
+                  <a:schemeClr val="tx1"/>
+                </a:solidFill>
+                <a:latin typeface="+mn-lt"/>
+                <a:ea typeface="+mn-ea"/>
+                <a:cs typeface="+mn-cs"/>
+              </a:defRPr>
+            </a:lvl6pPr>
+            <a:lvl7pPr marL="2743200" indent="0" algn="ctr" defTabSz="914400" rtl="0" eaLnBrk="1" latinLnBrk="0" hangingPunct="1">
+              <a:lnSpc>
+                <a:spcPct val="90000"/>
+              </a:lnSpc>
+              <a:spcBef>
+                <a:spcPts val="500"/>
+              </a:spcBef>
+              <a:buFont typeface="Arial" panose="020B0604020202020204" pitchFamily="34" charset="0"/>
+              <a:buNone/>
+              <a:defRPr sz="1600" kern="1200">
+                <a:solidFill>
+                  <a:schemeClr val="tx1"/>
+                </a:solidFill>
+                <a:latin typeface="+mn-lt"/>
+                <a:ea typeface="+mn-ea"/>
+                <a:cs typeface="+mn-cs"/>
+              </a:defRPr>
+            </a:lvl7pPr>
+            <a:lvl8pPr marL="3200400" indent="0" algn="ctr" defTabSz="914400" rtl="0" eaLnBrk="1" latinLnBrk="0" hangingPunct="1">
+              <a:lnSpc>
+                <a:spcPct val="90000"/>
+              </a:lnSpc>
+              <a:spcBef>
+                <a:spcPts val="500"/>
+              </a:spcBef>
+              <a:buFont typeface="Arial" panose="020B0604020202020204" pitchFamily="34" charset="0"/>
+              <a:buNone/>
+              <a:defRPr sz="1600" kern="1200">
+                <a:solidFill>
+                  <a:schemeClr val="tx1"/>
+                </a:solidFill>
+                <a:latin typeface="+mn-lt"/>
+                <a:ea typeface="+mn-ea"/>
+                <a:cs typeface="+mn-cs"/>
+              </a:defRPr>
+            </a:lvl8pPr>
+            <a:lvl9pPr marL="3657600" indent="0" algn="ctr" defTabSz="914400" rtl="0" eaLnBrk="1" latinLnBrk="0" hangingPunct="1">
+              <a:lnSpc>
+                <a:spcPct val="90000"/>
+              </a:lnSpc>
+              <a:spcBef>
+                <a:spcPts val="500"/>
+              </a:spcBef>
+              <a:buFont typeface="Arial" panose="020B0604020202020204" pitchFamily="34" charset="0"/>
+              <a:buNone/>
+              <a:defRPr sz="1600" kern="1200">
+                <a:solidFill>
+                  <a:schemeClr val="tx1"/>
+                </a:solidFill>
+                <a:latin typeface="+mn-lt"/>
+                <a:ea typeface="+mn-ea"/>
+                <a:cs typeface="+mn-cs"/>
+              </a:defRPr>
+            </a:lvl9pPr>
+          </a:lstStyle>
+          <a:p>
+            <a:endParaRPr lang="en-AU" dirty="0"/>
+          </a:p>
+        </p:txBody>
+      </p:sp>
+      <p:pic>
+        <p:nvPicPr>
+          <p:cNvPr id="5" name="Picture 4" descr="A screenshot of a wifi connection&#10;&#10;AI-generated content may be incorrect.">
+            <a:extLst>
+              <a:ext uri="{FF2B5EF4-FFF2-40B4-BE49-F238E27FC236}">
+                <a16:creationId xmlns:a16="http://schemas.microsoft.com/office/drawing/2014/main" id="{24EE4314-6558-C0E4-2635-952AD6905FB4}"/>
+              </a:ext>
+            </a:extLst>
+          </p:cNvPr>
+          <p:cNvPicPr>
+            <a:picLocks noChangeAspect="1"/>
+          </p:cNvPicPr>
+          <p:nvPr/>
+        </p:nvPicPr>
+        <p:blipFill>
+          <a:blip r:embed="rId4">
+            <a:extLst>
+              <a:ext uri="{28A0092B-C50C-407E-A947-70E740481C1C}">
+                <a14:useLocalDpi xmlns:a14="http://schemas.microsoft.com/office/drawing/2010/main" val="0"/>
+              </a:ext>
+            </a:extLst>
+          </a:blip>
+          <a:stretch>
+            <a:fillRect/>
+          </a:stretch>
+        </p:blipFill>
+        <p:spPr>
+          <a:xfrm>
+            <a:off x="8662035" y="160194"/>
+            <a:ext cx="3390925" cy="3771928"/>
+          </a:xfrm>
+          <a:prstGeom prst="rect">
+            <a:avLst/>
+          </a:prstGeom>
+        </p:spPr>
+      </p:pic>
+      <p:pic>
+        <p:nvPicPr>
+          <p:cNvPr id="7" name="Picture 6" descr="A screenshot of a computer&#10;&#10;AI-generated content may be incorrect.">
+            <a:extLst>
+              <a:ext uri="{FF2B5EF4-FFF2-40B4-BE49-F238E27FC236}">
+                <a16:creationId xmlns:a16="http://schemas.microsoft.com/office/drawing/2014/main" id="{90A488F7-596F-FEC9-CC6D-7ECF42C7EBEB}"/>
+              </a:ext>
+            </a:extLst>
+          </p:cNvPr>
+          <p:cNvPicPr>
+            <a:picLocks noChangeAspect="1"/>
+          </p:cNvPicPr>
+          <p:nvPr/>
+        </p:nvPicPr>
+        <p:blipFill>
+          <a:blip r:embed="rId5">
+            <a:extLst>
+              <a:ext uri="{28A0092B-C50C-407E-A947-70E740481C1C}">
+                <a14:useLocalDpi xmlns:a14="http://schemas.microsoft.com/office/drawing/2010/main" val="0"/>
+              </a:ext>
+            </a:extLst>
+          </a:blip>
+          <a:srcRect b="27087"/>
+          <a:stretch/>
+        </p:blipFill>
+        <p:spPr>
+          <a:xfrm>
+            <a:off x="6334082" y="4684223"/>
+            <a:ext cx="5857918" cy="2173777"/>
+          </a:xfrm>
+          <a:prstGeom prst="rect">
+            <a:avLst/>
+          </a:prstGeom>
+        </p:spPr>
+      </p:pic>
+      <p:cxnSp>
+        <p:nvCxnSpPr>
+          <p:cNvPr id="8" name="Straight Arrow Connector 7">
+            <a:extLst>
+              <a:ext uri="{FF2B5EF4-FFF2-40B4-BE49-F238E27FC236}">
+                <a16:creationId xmlns:a16="http://schemas.microsoft.com/office/drawing/2014/main" id="{7C15CD76-F0A5-5EB0-3A25-3C23DC502ECF}"/>
+              </a:ext>
+            </a:extLst>
+          </p:cNvPr>
+          <p:cNvCxnSpPr>
+            <a:cxnSpLocks/>
+          </p:cNvCxnSpPr>
+          <p:nvPr/>
+        </p:nvCxnSpPr>
+        <p:spPr>
+          <a:xfrm flipV="1">
+            <a:off x="6096000" y="1995055"/>
+            <a:ext cx="1907969" cy="178722"/>
+          </a:xfrm>
+          <a:prstGeom prst="straightConnector1">
+            <a:avLst/>
+          </a:prstGeom>
+          <a:ln w="28575">
+            <a:solidFill>
+              <a:srgbClr val="FF0000"/>
+            </a:solidFill>
+            <a:tailEnd type="triangle"/>
+          </a:ln>
+        </p:spPr>
+        <p:style>
+          <a:lnRef idx="2">
+            <a:schemeClr val="accent1"/>
+          </a:lnRef>
+          <a:fillRef idx="0">
+            <a:schemeClr val="accent1"/>
+          </a:fillRef>
+          <a:effectRef idx="1">
+            <a:schemeClr val="accent1"/>
+          </a:effectRef>
+          <a:fontRef idx="minor">
+            <a:schemeClr val="tx1"/>
+          </a:fontRef>
+        </p:style>
+      </p:cxnSp>
+      <p:cxnSp>
+        <p:nvCxnSpPr>
+          <p:cNvPr id="11" name="Straight Arrow Connector 10">
+            <a:extLst>
+              <a:ext uri="{FF2B5EF4-FFF2-40B4-BE49-F238E27FC236}">
+                <a16:creationId xmlns:a16="http://schemas.microsoft.com/office/drawing/2014/main" id="{5638DF05-8B3D-B6D5-4EEC-FFC93AAC8567}"/>
+              </a:ext>
+            </a:extLst>
+          </p:cNvPr>
+          <p:cNvCxnSpPr>
+            <a:cxnSpLocks/>
+          </p:cNvCxnSpPr>
+          <p:nvPr/>
+        </p:nvCxnSpPr>
+        <p:spPr>
+          <a:xfrm>
+            <a:off x="5664530" y="3277590"/>
+            <a:ext cx="1603169" cy="1211283"/>
+          </a:xfrm>
+          <a:prstGeom prst="straightConnector1">
+            <a:avLst/>
+          </a:prstGeom>
+          <a:ln w="28575">
+            <a:solidFill>
+              <a:srgbClr val="FF0000"/>
+            </a:solidFill>
+            <a:tailEnd type="triangle"/>
+          </a:ln>
+        </p:spPr>
+        <p:style>
+          <a:lnRef idx="2">
+            <a:schemeClr val="accent1"/>
+          </a:lnRef>
+          <a:fillRef idx="0">
+            <a:schemeClr val="accent1"/>
+          </a:fillRef>
+          <a:effectRef idx="1">
+            <a:schemeClr val="accent1"/>
+          </a:effectRef>
+          <a:fontRef idx="minor">
+            <a:schemeClr val="tx1"/>
+          </a:fontRef>
+        </p:style>
+      </p:cxnSp>
     </p:spTree>
     <p:extLst>
       <p:ext uri="{BB962C8B-B14F-4D97-AF65-F5344CB8AC3E}">
@@ -3428,7 +3898,7 @@
         </p:nvSpPr>
         <p:spPr>
           <a:xfrm>
-            <a:off x="2723403" y="387715"/>
+            <a:off x="3162790" y="1043303"/>
             <a:ext cx="1638794" cy="859889"/>
           </a:xfrm>
           <a:prstGeom prst="roundRect">
@@ -3475,7 +3945,7 @@
         </p:nvSpPr>
         <p:spPr>
           <a:xfrm>
-            <a:off x="2848098" y="2529442"/>
+            <a:off x="3287485" y="2658072"/>
             <a:ext cx="495649" cy="369332"/>
           </a:xfrm>
           <a:prstGeom prst="rect">
@@ -3510,7 +3980,7 @@
         </p:nvSpPr>
         <p:spPr>
           <a:xfrm>
-            <a:off x="2848098" y="473031"/>
+            <a:off x="3287485" y="1128619"/>
             <a:ext cx="1538691" cy="646331"/>
           </a:xfrm>
           <a:prstGeom prst="rect">
@@ -3551,7 +4021,7 @@
         </p:nvSpPr>
         <p:spPr>
           <a:xfrm>
-            <a:off x="806461" y="3945287"/>
+            <a:off x="1245848" y="4073917"/>
             <a:ext cx="495649" cy="369332"/>
           </a:xfrm>
           <a:prstGeom prst="rect">
@@ -3586,7 +4056,7 @@
         </p:nvSpPr>
         <p:spPr>
           <a:xfrm>
-            <a:off x="243021" y="242199"/>
+            <a:off x="682408" y="897787"/>
             <a:ext cx="734496" cy="369332"/>
           </a:xfrm>
           <a:prstGeom prst="rect">
@@ -3621,7 +4091,7 @@
         </p:nvSpPr>
         <p:spPr>
           <a:xfrm>
-            <a:off x="234887" y="750030"/>
+            <a:off x="674274" y="1405618"/>
             <a:ext cx="734496" cy="369332"/>
           </a:xfrm>
           <a:prstGeom prst="rect">
@@ -3656,7 +4126,7 @@
         </p:nvSpPr>
         <p:spPr>
           <a:xfrm>
-            <a:off x="1059870" y="494662"/>
+            <a:off x="1499257" y="1150250"/>
             <a:ext cx="1015343" cy="369332"/>
           </a:xfrm>
           <a:prstGeom prst="rect">
@@ -3692,7 +4162,7 @@
         </p:nvSpPr>
         <p:spPr>
           <a:xfrm>
-            <a:off x="8917917" y="3069895"/>
+            <a:off x="8308464" y="3103438"/>
             <a:ext cx="851965" cy="369332"/>
           </a:xfrm>
           <a:prstGeom prst="rect">
@@ -3727,7 +4197,7 @@
         </p:nvGrpSpPr>
         <p:grpSpPr>
           <a:xfrm>
-            <a:off x="11132130" y="228520"/>
+            <a:off x="10766500" y="407373"/>
             <a:ext cx="498764" cy="816963"/>
             <a:chOff x="8740239" y="679328"/>
             <a:chExt cx="498764" cy="816963"/>
@@ -4047,7 +4517,7 @@
         </p:nvSpPr>
         <p:spPr>
           <a:xfrm>
-            <a:off x="10588830" y="1969322"/>
+            <a:off x="10014979" y="4076663"/>
             <a:ext cx="567784" cy="369332"/>
           </a:xfrm>
           <a:prstGeom prst="rect">
@@ -4083,7 +4553,7 @@
         </p:nvSpPr>
         <p:spPr>
           <a:xfrm>
-            <a:off x="7873351" y="1921763"/>
+            <a:off x="10038605" y="2114738"/>
             <a:ext cx="471604" cy="369332"/>
           </a:xfrm>
           <a:prstGeom prst="rect">
@@ -4118,7 +4588,7 @@
         </p:nvSpPr>
         <p:spPr>
           <a:xfrm>
-            <a:off x="2723403" y="2284163"/>
+            <a:off x="3162790" y="2412793"/>
             <a:ext cx="1638794" cy="859889"/>
           </a:xfrm>
           <a:prstGeom prst="roundRect">
@@ -4165,7 +4635,7 @@
         </p:nvSpPr>
         <p:spPr>
           <a:xfrm>
-            <a:off x="234887" y="3700008"/>
+            <a:off x="674274" y="3828638"/>
             <a:ext cx="1638794" cy="859889"/>
           </a:xfrm>
           <a:prstGeom prst="roundRect">
@@ -4212,7 +4682,7 @@
         </p:nvSpPr>
         <p:spPr>
           <a:xfrm>
-            <a:off x="115777" y="242199"/>
+            <a:off x="555164" y="897787"/>
             <a:ext cx="1959435" cy="1005405"/>
           </a:xfrm>
           <a:prstGeom prst="roundRect">
@@ -4259,7 +4729,7 @@
         </p:nvSpPr>
         <p:spPr>
           <a:xfrm>
-            <a:off x="5722014" y="637002"/>
+            <a:off x="7029630" y="775686"/>
             <a:ext cx="1601208" cy="369332"/>
           </a:xfrm>
           <a:prstGeom prst="rect">
@@ -4299,7 +4769,7 @@
         </p:nvSpPr>
         <p:spPr>
           <a:xfrm>
-            <a:off x="8524502" y="2840119"/>
+            <a:off x="7915049" y="2873662"/>
             <a:ext cx="1638794" cy="859889"/>
           </a:xfrm>
           <a:prstGeom prst="roundRect">
@@ -4348,7 +4818,7 @@
         </p:nvCxnSpPr>
         <p:spPr>
           <a:xfrm flipV="1">
-            <a:off x="1928678" y="3144052"/>
+            <a:off x="2368065" y="3272682"/>
             <a:ext cx="919420" cy="866898"/>
           </a:xfrm>
           <a:prstGeom prst="straightConnector1">
@@ -4392,7 +4862,7 @@
         </p:nvCxnSpPr>
         <p:spPr>
           <a:xfrm>
-            <a:off x="2075212" y="793287"/>
+            <a:off x="2514599" y="1448875"/>
             <a:ext cx="606039" cy="0"/>
           </a:xfrm>
           <a:prstGeom prst="straightConnector1">
@@ -4437,8 +4907,8 @@
         </p:nvCxnSpPr>
         <p:spPr>
           <a:xfrm>
-            <a:off x="3542800" y="1231390"/>
-            <a:ext cx="0" cy="1052773"/>
+            <a:off x="3982187" y="1905722"/>
+            <a:ext cx="0" cy="507071"/>
           </a:xfrm>
           <a:prstGeom prst="straightConnector1">
             <a:avLst/>
@@ -4447,6 +4917,7 @@
             <a:solidFill>
               <a:schemeClr val="tx1"/>
             </a:solidFill>
+            <a:headEnd type="triangle"/>
             <a:tailEnd type="triangle"/>
           </a:ln>
         </p:spPr>
@@ -4476,14 +4947,13 @@
           </p:cNvPr>
           <p:cNvCxnSpPr>
             <a:cxnSpLocks/>
-            <a:endCxn id="37" idx="1"/>
           </p:cNvCxnSpPr>
           <p:nvPr/>
         </p:nvCxnSpPr>
         <p:spPr>
           <a:xfrm>
-            <a:off x="4351625" y="2836220"/>
-            <a:ext cx="4172877" cy="433844"/>
+            <a:off x="4791012" y="2964850"/>
+            <a:ext cx="3124037" cy="279484"/>
           </a:xfrm>
           <a:prstGeom prst="straightConnector1">
             <a:avLst/>
@@ -4492,6 +4962,7 @@
             <a:solidFill>
               <a:schemeClr val="tx1"/>
             </a:solidFill>
+            <a:headEnd type="triangle"/>
             <a:tailEnd type="triangle"/>
           </a:ln>
         </p:spPr>
@@ -4525,9 +4996,9 @@
           <p:nvPr/>
         </p:nvCxnSpPr>
         <p:spPr>
-          <a:xfrm>
-            <a:off x="4362197" y="814562"/>
-            <a:ext cx="1201284" cy="7106"/>
+          <a:xfrm flipV="1">
+            <a:off x="4801584" y="1082408"/>
+            <a:ext cx="2183146" cy="387742"/>
           </a:xfrm>
           <a:prstGeom prst="straightConnector1">
             <a:avLst/>
@@ -4568,7 +5039,7 @@
         </p:nvSpPr>
         <p:spPr>
           <a:xfrm>
-            <a:off x="2227754" y="3631116"/>
+            <a:off x="2667141" y="3759746"/>
             <a:ext cx="1255472" cy="369332"/>
           </a:xfrm>
           <a:prstGeom prst="rect">
@@ -4603,7 +5074,7 @@
         </p:nvSpPr>
         <p:spPr>
           <a:xfrm>
-            <a:off x="5754931" y="3115704"/>
+            <a:off x="6194318" y="3244334"/>
             <a:ext cx="1037463" cy="369332"/>
           </a:xfrm>
           <a:prstGeom prst="rect">
@@ -4638,7 +5109,7 @@
         </p:nvSpPr>
         <p:spPr>
           <a:xfrm>
-            <a:off x="3542800" y="1525551"/>
+            <a:off x="4132747" y="1905722"/>
             <a:ext cx="611065" cy="369332"/>
           </a:xfrm>
           <a:prstGeom prst="rect">
@@ -4673,8 +5144,8 @@
         </p:nvSpPr>
         <p:spPr>
           <a:xfrm>
-            <a:off x="2081229" y="821668"/>
-            <a:ext cx="643125" cy="369332"/>
+            <a:off x="2520616" y="1477256"/>
+            <a:ext cx="527709" cy="369332"/>
           </a:xfrm>
           <a:prstGeom prst="rect">
             <a:avLst/>
@@ -4689,7 +5160,7 @@
           <a:p>
             <a:r>
               <a:rPr lang="en-AU" dirty="0"/>
-              <a:t>I2C?</a:t>
+              <a:t>I2C</a:t>
             </a:r>
           </a:p>
         </p:txBody>
@@ -4708,7 +5179,7 @@
         </p:nvSpPr>
         <p:spPr>
           <a:xfrm>
-            <a:off x="7618032" y="1710217"/>
+            <a:off x="9783286" y="1903192"/>
             <a:ext cx="1031169" cy="859889"/>
           </a:xfrm>
           <a:prstGeom prst="ellipse">
@@ -4755,7 +5226,7 @@
         </p:nvSpPr>
         <p:spPr>
           <a:xfrm>
-            <a:off x="10357137" y="1710217"/>
+            <a:off x="9783286" y="3817558"/>
             <a:ext cx="1031169" cy="859889"/>
           </a:xfrm>
           <a:prstGeom prst="ellipse">
@@ -4802,7 +5273,7 @@
         </p:nvSpPr>
         <p:spPr>
           <a:xfrm>
-            <a:off x="5677114" y="389909"/>
+            <a:off x="6984730" y="528593"/>
             <a:ext cx="1736459" cy="859889"/>
           </a:xfrm>
           <a:prstGeom prst="ellipse">
@@ -4849,7 +5320,7 @@
         </p:nvSpPr>
         <p:spPr>
           <a:xfrm>
-            <a:off x="5993534" y="5669691"/>
+            <a:off x="6432921" y="5798321"/>
             <a:ext cx="1073499" cy="646331"/>
           </a:xfrm>
           <a:prstGeom prst="rect">
@@ -4890,7 +5361,7 @@
         </p:nvSpPr>
         <p:spPr>
           <a:xfrm>
-            <a:off x="9131053" y="5737992"/>
+            <a:off x="9570440" y="5866622"/>
             <a:ext cx="425694" cy="369332"/>
           </a:xfrm>
           <a:prstGeom prst="rect">
@@ -4925,7 +5396,7 @@
         </p:nvSpPr>
         <p:spPr>
           <a:xfrm>
-            <a:off x="8828315" y="5492713"/>
+            <a:off x="9267702" y="5621343"/>
             <a:ext cx="1031169" cy="859889"/>
           </a:xfrm>
           <a:prstGeom prst="ellipse">
@@ -4972,7 +5443,7 @@
         </p:nvSpPr>
         <p:spPr>
           <a:xfrm>
-            <a:off x="5774779" y="5562911"/>
+            <a:off x="6214166" y="5691541"/>
             <a:ext cx="1638794" cy="859889"/>
           </a:xfrm>
           <a:prstGeom prst="roundRect">
@@ -5021,7 +5492,7 @@
         </p:nvCxnSpPr>
         <p:spPr>
           <a:xfrm>
-            <a:off x="7475662" y="5949992"/>
+            <a:off x="7915049" y="6078622"/>
             <a:ext cx="1201284" cy="7106"/>
           </a:xfrm>
           <a:prstGeom prst="straightConnector1">
@@ -5060,13 +5531,14 @@
           </p:cNvPr>
           <p:cNvCxnSpPr>
             <a:cxnSpLocks/>
+            <a:endCxn id="56" idx="2"/>
           </p:cNvCxnSpPr>
           <p:nvPr/>
         </p:nvCxnSpPr>
         <p:spPr>
-          <a:xfrm flipH="1" flipV="1">
-            <a:off x="8360229" y="2617665"/>
-            <a:ext cx="208369" cy="206952"/>
+          <a:xfrm flipV="1">
+            <a:off x="9001496" y="2333137"/>
+            <a:ext cx="781790" cy="540525"/>
           </a:xfrm>
           <a:prstGeom prst="straightConnector1">
             <a:avLst/>
@@ -5104,13 +5576,14 @@
           </p:cNvPr>
           <p:cNvCxnSpPr>
             <a:cxnSpLocks/>
+            <a:endCxn id="57" idx="2"/>
           </p:cNvCxnSpPr>
           <p:nvPr/>
         </p:nvCxnSpPr>
         <p:spPr>
-          <a:xfrm flipV="1">
-            <a:off x="10152724" y="2619896"/>
-            <a:ext cx="342407" cy="231897"/>
+          <a:xfrm>
+            <a:off x="9001496" y="3772665"/>
+            <a:ext cx="781790" cy="474838"/>
           </a:xfrm>
           <a:prstGeom prst="straightConnector1">
             <a:avLst/>
@@ -5137,6 +5610,41 @@
           </a:fontRef>
         </p:style>
       </p:cxnSp>
+      <p:sp>
+        <p:nvSpPr>
+          <p:cNvPr id="15" name="TextBox 14">
+            <a:extLst>
+              <a:ext uri="{FF2B5EF4-FFF2-40B4-BE49-F238E27FC236}">
+                <a16:creationId xmlns:a16="http://schemas.microsoft.com/office/drawing/2014/main" id="{A78D18AB-E6D9-B5D5-D2FE-F67C34A409DF}"/>
+              </a:ext>
+            </a:extLst>
+          </p:cNvPr>
+          <p:cNvSpPr txBox="1"/>
+          <p:nvPr/>
+        </p:nvSpPr>
+        <p:spPr>
+          <a:xfrm>
+            <a:off x="329004" y="207042"/>
+            <a:ext cx="1487010" cy="369332"/>
+          </a:xfrm>
+          <a:prstGeom prst="rect">
+            <a:avLst/>
+          </a:prstGeom>
+          <a:noFill/>
+        </p:spPr>
+        <p:txBody>
+          <a:bodyPr wrap="none" rtlCol="0">
+            <a:spAutoFit/>
+          </a:bodyPr>
+          <a:lstStyle/>
+          <a:p>
+            <a:r>
+              <a:rPr lang="en-AU" dirty="0"/>
+              <a:t>Components</a:t>
+            </a:r>
+          </a:p>
+        </p:txBody>
+      </p:sp>
     </p:spTree>
     <p:extLst>
       <p:ext uri="{BB962C8B-B14F-4D97-AF65-F5344CB8AC3E}">
@@ -5322,10 +5830,10 @@
             <a:pPr marL="0" indent="0" algn="ctr">
               <a:buNone/>
             </a:pPr>
-            <a:r>
-              <a:rPr lang="en-AU" dirty="0"/>
-              <a:t>Router</a:t>
-            </a:r>
+            <a:br>
+              <a:rPr lang="en-AU" dirty="0"/>
+            </a:br>
+            <a:endParaRPr lang="en-AU" dirty="0"/>
           </a:p>
           <a:p>
             <a:pPr marL="0" indent="0" algn="ctr">
@@ -5362,7 +5870,7 @@
             </a:pPr>
             <a:r>
               <a:rPr lang="en-AU" dirty="0"/>
-              <a:t>Admin @ 192.168.1.1</a:t>
+              <a:t>Admin @ http://192.168.1.1</a:t>
             </a:r>
           </a:p>
           <a:p>
@@ -5395,7 +5903,15 @@
             </a:pPr>
             <a:r>
               <a:rPr lang="en-AU" dirty="0"/>
-              <a:t>Pi companion 192.168.1.126</a:t>
+              <a:t>pi companion ssh://192.168.1.126 (aka </a:t>
+            </a:r>
+            <a:r>
+              <a:rPr lang="en-AU" dirty="0" err="1"/>
+              <a:t>rootbot</a:t>
+            </a:r>
+            <a:r>
+              <a:rPr lang="en-AU" dirty="0"/>
+              <a:t>)</a:t>
             </a:r>
           </a:p>
           <a:p>
@@ -5471,14 +5987,13 @@
         </p:nvPicPr>
         <p:blipFill>
           <a:blip r:embed="rId2"/>
-          <a:stretch>
-            <a:fillRect/>
-          </a:stretch>
+          <a:srcRect b="15700"/>
+          <a:stretch/>
         </p:blipFill>
         <p:spPr>
           <a:xfrm>
-            <a:off x="3918857" y="2996602"/>
-            <a:ext cx="8273143" cy="3770538"/>
+            <a:off x="3918857" y="3679433"/>
+            <a:ext cx="8273143" cy="3178567"/>
           </a:xfrm>
           <a:prstGeom prst="rect">
             <a:avLst/>
@@ -5520,6 +6035,41 @@
           </a:prstGeom>
         </p:spPr>
       </p:pic>
+      <p:sp>
+        <p:nvSpPr>
+          <p:cNvPr id="2" name="TextBox 1">
+            <a:extLst>
+              <a:ext uri="{FF2B5EF4-FFF2-40B4-BE49-F238E27FC236}">
+                <a16:creationId xmlns:a16="http://schemas.microsoft.com/office/drawing/2014/main" id="{FC4675F2-6B9C-6856-FB63-56DD0F1C2F10}"/>
+              </a:ext>
+            </a:extLst>
+          </p:cNvPr>
+          <p:cNvSpPr txBox="1"/>
+          <p:nvPr/>
+        </p:nvSpPr>
+        <p:spPr>
+          <a:xfrm>
+            <a:off x="329004" y="207042"/>
+            <a:ext cx="851965" cy="369332"/>
+          </a:xfrm>
+          <a:prstGeom prst="rect">
+            <a:avLst/>
+          </a:prstGeom>
+          <a:noFill/>
+        </p:spPr>
+        <p:txBody>
+          <a:bodyPr wrap="none" rtlCol="0">
+            <a:spAutoFit/>
+          </a:bodyPr>
+          <a:lstStyle/>
+          <a:p>
+            <a:r>
+              <a:rPr lang="en-AU" dirty="0"/>
+              <a:t>Router</a:t>
+            </a:r>
+          </a:p>
+        </p:txBody>
+      </p:sp>
     </p:spTree>
     <p:extLst>
       <p:ext uri="{BB962C8B-B14F-4D97-AF65-F5344CB8AC3E}">
@@ -5568,13 +6118,13 @@
         </p:nvSpPr>
         <p:spPr>
           <a:xfrm>
-            <a:off x="327741" y="388941"/>
-            <a:ext cx="10515600" cy="4351338"/>
+            <a:off x="327742" y="388941"/>
+            <a:ext cx="6925498" cy="6469059"/>
           </a:xfrm>
         </p:spPr>
         <p:txBody>
           <a:bodyPr>
-            <a:normAutofit fontScale="92500" lnSpcReduction="20000"/>
+            <a:normAutofit fontScale="55000" lnSpcReduction="20000"/>
           </a:bodyPr>
           <a:lstStyle/>
           <a:p>
@@ -5583,7 +6133,7 @@
             </a:pPr>
             <a:r>
               <a:rPr lang="en-AU" dirty="0"/>
-              <a:t>Monitor</a:t>
+              <a:t>EM Monitor</a:t>
             </a:r>
           </a:p>
           <a:p>
@@ -5598,7 +6148,15 @@
             </a:pPr>
             <a:r>
               <a:rPr lang="en-AU" dirty="0"/>
-              <a:t>Python app, starts at boot </a:t>
+              <a:t>Python app, starts at </a:t>
+            </a:r>
+            <a:r>
+              <a:rPr lang="en-AU" dirty="0" err="1"/>
+              <a:t>poweron</a:t>
+            </a:r>
+            <a:r>
+              <a:rPr lang="en-AU" dirty="0"/>
+              <a:t>. Assembles GPS &amp; EM data to one frame.</a:t>
             </a:r>
           </a:p>
           <a:p>
@@ -5676,12 +6234,6 @@
             <a:pPr marL="0" indent="0">
               <a:buNone/>
             </a:pPr>
-            <a:endParaRPr lang="en-AU" dirty="0"/>
-          </a:p>
-          <a:p>
-            <a:pPr marL="0" indent="0">
-              <a:buNone/>
-            </a:pPr>
             <a:r>
               <a:rPr lang="en-AU" dirty="0"/>
               <a:t>ssh: </a:t>
@@ -5702,6 +6254,143 @@
               <a:rPr lang="en-AU" dirty="0"/>
               <a:t>)</a:t>
             </a:r>
+          </a:p>
+          <a:p>
+            <a:pPr marL="0" indent="0">
+              <a:buNone/>
+            </a:pPr>
+            <a:endParaRPr lang="en-AU" dirty="0"/>
+          </a:p>
+          <a:p>
+            <a:pPr marL="0" indent="0">
+              <a:buNone/>
+            </a:pPr>
+            <a:r>
+              <a:rPr lang="en-AU" dirty="0"/>
+              <a:t>Browser can download data directly. Alternatively, use </a:t>
+            </a:r>
+            <a:r>
+              <a:rPr lang="en-AU" dirty="0">
+                <a:hlinkClick r:id="rId4"/>
+              </a:rPr>
+              <a:t>http://rootbot:8080/getData</a:t>
+            </a:r>
+            <a:r>
+              <a:rPr lang="en-AU" dirty="0"/>
+              <a:t> to download raw </a:t>
+            </a:r>
+            <a:r>
+              <a:rPr lang="en-AU" dirty="0" err="1"/>
+              <a:t>json</a:t>
+            </a:r>
+            <a:r>
+              <a:rPr lang="en-AU" dirty="0"/>
+              <a:t> (includes “unrecorded” data). </a:t>
+            </a:r>
+          </a:p>
+          <a:p>
+            <a:pPr marL="0" indent="0">
+              <a:buNone/>
+            </a:pPr>
+            <a:r>
+              <a:rPr lang="en-AU" dirty="0"/>
+              <a:t>Recorded csv data is also in the </a:t>
+            </a:r>
+            <a:r>
+              <a:rPr lang="en-AU" dirty="0" err="1"/>
+              <a:t>qaafi</a:t>
+            </a:r>
+            <a:r>
+              <a:rPr lang="en-AU" dirty="0"/>
+              <a:t> home directory on the pi, accessible via ssh/</a:t>
+            </a:r>
+            <a:r>
+              <a:rPr lang="en-AU" dirty="0" err="1"/>
+              <a:t>scp</a:t>
+            </a:r>
+            <a:r>
+              <a:rPr lang="en-AU" dirty="0"/>
+              <a:t>.</a:t>
+            </a:r>
+          </a:p>
+          <a:p>
+            <a:pPr marL="0" indent="0">
+              <a:buNone/>
+            </a:pPr>
+            <a:r>
+              <a:rPr lang="en-AU" dirty="0"/>
+              <a:t>App output (</a:t>
+            </a:r>
+            <a:r>
+              <a:rPr lang="en-AU" dirty="0" err="1"/>
+              <a:t>stdout</a:t>
+            </a:r>
+            <a:r>
+              <a:rPr lang="en-AU" dirty="0"/>
+              <a:t>, stderr) available from </a:t>
+            </a:r>
+            <a:r>
+              <a:rPr lang="en-AU" dirty="0" err="1"/>
+              <a:t>systemd</a:t>
+            </a:r>
+            <a:endParaRPr lang="en-AU" dirty="0"/>
+          </a:p>
+          <a:p>
+            <a:pPr marL="0" indent="0">
+              <a:buNone/>
+            </a:pPr>
+            <a:endParaRPr lang="en-AU" dirty="0"/>
+          </a:p>
+          <a:p>
+            <a:pPr marL="0" indent="0">
+              <a:buNone/>
+            </a:pPr>
+            <a:endParaRPr lang="en-AU" dirty="0"/>
+          </a:p>
+          <a:p>
+            <a:pPr marL="0" indent="0">
+              <a:buNone/>
+            </a:pPr>
+            <a:endParaRPr lang="en-AU" dirty="0"/>
+          </a:p>
+          <a:p>
+            <a:pPr marL="0" indent="0">
+              <a:buNone/>
+            </a:pPr>
+            <a:r>
+              <a:rPr lang="en-AU" dirty="0"/>
+              <a:t>It’s a good idea to shutdown the device through the web page.</a:t>
+            </a:r>
+          </a:p>
+          <a:p>
+            <a:pPr marL="0" indent="0">
+              <a:buNone/>
+            </a:pPr>
+            <a:endParaRPr lang="en-AU" dirty="0"/>
+          </a:p>
+          <a:p>
+            <a:pPr marL="0" indent="0">
+              <a:buNone/>
+            </a:pPr>
+            <a:r>
+              <a:rPr lang="en-AU" dirty="0"/>
+              <a:t>Source code</a:t>
+            </a:r>
+          </a:p>
+          <a:p>
+            <a:pPr marL="0" indent="0">
+              <a:buNone/>
+            </a:pPr>
+            <a:r>
+              <a:rPr lang="en-AU" dirty="0"/>
+              <a:t>https://github.com/peter-devoil/EM-GPS-logger</a:t>
+            </a:r>
+          </a:p>
+          <a:p>
+            <a:pPr marL="0" indent="0">
+              <a:buNone/>
+            </a:pPr>
+            <a:endParaRPr lang="en-AU" dirty="0"/>
           </a:p>
           <a:p>
             <a:pPr marL="0" indent="0">
@@ -6110,7 +6799,7 @@
           <p:nvPr/>
         </p:nvPicPr>
         <p:blipFill>
-          <a:blip r:embed="rId4"/>
+          <a:blip r:embed="rId5"/>
           <a:srcRect b="26567"/>
           <a:stretch/>
         </p:blipFill>
@@ -6118,6 +6807,36 @@
           <a:xfrm>
             <a:off x="7930133" y="4339056"/>
             <a:ext cx="3600450" cy="2161308"/>
+          </a:xfrm>
+          <a:prstGeom prst="rect">
+            <a:avLst/>
+          </a:prstGeom>
+        </p:spPr>
+      </p:pic>
+      <p:pic>
+        <p:nvPicPr>
+          <p:cNvPr id="9" name="Picture 8">
+            <a:extLst>
+              <a:ext uri="{FF2B5EF4-FFF2-40B4-BE49-F238E27FC236}">
+                <a16:creationId xmlns:a16="http://schemas.microsoft.com/office/drawing/2014/main" id="{DC7BDE6A-50B6-B1FF-AA3E-FB9758673E6A}"/>
+              </a:ext>
+            </a:extLst>
+          </p:cNvPr>
+          <p:cNvPicPr>
+            <a:picLocks noChangeAspect="1"/>
+          </p:cNvPicPr>
+          <p:nvPr/>
+        </p:nvPicPr>
+        <p:blipFill>
+          <a:blip r:embed="rId6"/>
+          <a:stretch>
+            <a:fillRect/>
+          </a:stretch>
+        </p:blipFill>
+        <p:spPr>
+          <a:xfrm>
+            <a:off x="446495" y="4454483"/>
+            <a:ext cx="3533775" cy="419100"/>
           </a:xfrm>
           <a:prstGeom prst="rect">
             <a:avLst/>
@@ -6128,6 +6847,132 @@
     <p:extLst>
       <p:ext uri="{BB962C8B-B14F-4D97-AF65-F5344CB8AC3E}">
         <p14:creationId xmlns:p14="http://schemas.microsoft.com/office/powerpoint/2010/main" val="944660125"/>
+      </p:ext>
+    </p:extLst>
+  </p:cSld>
+  <p:clrMapOvr>
+    <a:masterClrMapping/>
+  </p:clrMapOvr>
+</p:sld>
+</file>
+
+<file path=ppt/slides/slide6.xml><?xml version="1.0" encoding="utf-8"?>
+<p:sld xmlns:a="http://schemas.openxmlformats.org/drawingml/2006/main" xmlns:r="http://schemas.openxmlformats.org/officeDocument/2006/relationships" xmlns:p="http://schemas.openxmlformats.org/presentationml/2006/main">
+  <p:cSld>
+    <p:spTree>
+      <p:nvGrpSpPr>
+        <p:cNvPr id="1" name=""/>
+        <p:cNvGrpSpPr/>
+        <p:nvPr/>
+      </p:nvGrpSpPr>
+      <p:grpSpPr>
+        <a:xfrm>
+          <a:off x="0" y="0"/>
+          <a:ext cx="0" cy="0"/>
+          <a:chOff x="0" y="0"/>
+          <a:chExt cx="0" cy="0"/>
+        </a:xfrm>
+      </p:grpSpPr>
+      <p:sp>
+        <p:nvSpPr>
+          <p:cNvPr id="4" name="Content Placeholder 2">
+            <a:extLst>
+              <a:ext uri="{FF2B5EF4-FFF2-40B4-BE49-F238E27FC236}">
+                <a16:creationId xmlns:a16="http://schemas.microsoft.com/office/drawing/2014/main" id="{A355EB63-3D3F-F756-0953-4CFB64857AD2}"/>
+              </a:ext>
+            </a:extLst>
+          </p:cNvPr>
+          <p:cNvSpPr>
+            <a:spLocks noGrp="1"/>
+          </p:cNvSpPr>
+          <p:nvPr>
+            <p:ph idx="1"/>
+          </p:nvPr>
+        </p:nvSpPr>
+        <p:spPr>
+          <a:xfrm>
+            <a:off x="327741" y="388941"/>
+            <a:ext cx="10515600" cy="4351338"/>
+          </a:xfrm>
+        </p:spPr>
+        <p:txBody>
+          <a:bodyPr>
+            <a:normAutofit/>
+          </a:bodyPr>
+          <a:lstStyle/>
+          <a:p>
+            <a:pPr marL="0" indent="0">
+              <a:buNone/>
+            </a:pPr>
+            <a:r>
+              <a:rPr lang="en-AU" dirty="0"/>
+              <a:t>Motion</a:t>
+            </a:r>
+          </a:p>
+          <a:p>
+            <a:pPr marL="0" indent="0">
+              <a:buNone/>
+            </a:pPr>
+            <a:endParaRPr lang="en-AU" dirty="0">
+              <a:hlinkClick r:id="rId2"/>
+            </a:endParaRPr>
+          </a:p>
+          <a:p>
+            <a:pPr marL="0" indent="0">
+              <a:buNone/>
+            </a:pPr>
+            <a:r>
+              <a:rPr lang="en-AU" dirty="0">
+                <a:hlinkClick r:id="rId3"/>
+              </a:rPr>
+              <a:t>http://rootbot:8081/</a:t>
+            </a:r>
+            <a:endParaRPr lang="en-AU" dirty="0"/>
+          </a:p>
+          <a:p>
+            <a:pPr marL="0" indent="0">
+              <a:buNone/>
+            </a:pPr>
+            <a:r>
+              <a:rPr lang="en-AU" dirty="0"/>
+              <a:t>Multiple cameras, recorded, 1f/s</a:t>
+            </a:r>
+          </a:p>
+          <a:p>
+            <a:pPr marL="0" indent="0">
+              <a:buNone/>
+            </a:pPr>
+            <a:endParaRPr lang="en-AU" dirty="0"/>
+          </a:p>
+          <a:p>
+            <a:pPr marL="0" indent="0">
+              <a:buNone/>
+            </a:pPr>
+            <a:r>
+              <a:rPr lang="en-AU" dirty="0"/>
+              <a:t>Direct video stream (</a:t>
+            </a:r>
+            <a:r>
+              <a:rPr lang="en-AU" dirty="0" err="1"/>
+              <a:t>vlc</a:t>
+            </a:r>
+            <a:r>
+              <a:rPr lang="en-AU" dirty="0"/>
+              <a:t>, ..</a:t>
+            </a:r>
+          </a:p>
+          <a:p>
+            <a:pPr marL="0" indent="0">
+              <a:buNone/>
+            </a:pPr>
+            <a:endParaRPr lang="en-AU" dirty="0"/>
+          </a:p>
+        </p:txBody>
+      </p:sp>
+    </p:spTree>
+    <p:extLst>
+      <p:ext uri="{BB962C8B-B14F-4D97-AF65-F5344CB8AC3E}">
+        <p14:creationId xmlns:p14="http://schemas.microsoft.com/office/powerpoint/2010/main" val="3777443486"/>
       </p:ext>
     </p:extLst>
   </p:cSld>
